--- a/GIT进阶.pptx
+++ b/GIT进阶.pptx
@@ -14,8 +14,7 @@
     <p:sldId id="260" r:id="rId7"/>
     <p:sldId id="262" r:id="rId8"/>
     <p:sldId id="271" r:id="rId9"/>
-    <p:sldId id="272" r:id="rId10"/>
-    <p:sldId id="277" r:id="rId11"/>
+    <p:sldId id="277" r:id="rId10"/>
   </p:sldIdLst>
   <p:sldSz cx="12192000" cy="6858000"/>
   <p:notesSz cx="6858000" cy="9144000"/>
@@ -860,107 +859,6 @@
 </file>
 
 <file path=ppt/notesSlides/notesSlide6.xml><?xml version="1.0" encoding="utf-8"?>
-<p:notes xmlns:a="http://schemas.openxmlformats.org/drawingml/2006/main" xmlns:r="http://schemas.openxmlformats.org/officeDocument/2006/relationships" xmlns:p="http://schemas.openxmlformats.org/presentationml/2006/main">
-  <p:cSld>
-    <p:spTree>
-      <p:nvGrpSpPr>
-        <p:cNvPr id="1" name=""/>
-        <p:cNvGrpSpPr/>
-        <p:nvPr/>
-      </p:nvGrpSpPr>
-      <p:grpSpPr>
-        <a:xfrm>
-          <a:off x="0" y="0"/>
-          <a:ext cx="0" cy="0"/>
-          <a:chOff x="0" y="0"/>
-          <a:chExt cx="0" cy="0"/>
-        </a:xfrm>
-      </p:grpSpPr>
-      <p:sp>
-        <p:nvSpPr>
-          <p:cNvPr id="2003" name="PlaceHolder 1"/>
-          <p:cNvSpPr>
-            <a:spLocks noGrp="1"/>
-          </p:cNvSpPr>
-          <p:nvPr>
-            <p:ph type="sldImg"/>
-          </p:nvPr>
-        </p:nvSpPr>
-        <p:spPr>
-          <a:xfrm>
-            <a:off x="685800" y="1143000"/>
-            <a:ext cx="5486040" cy="3085920"/>
-          </a:xfrm>
-          <a:prstGeom prst="rect">
-            <a:avLst/>
-          </a:prstGeom>
-        </p:spPr>
-      </p:sp>
-      <p:sp>
-        <p:nvSpPr>
-          <p:cNvPr id="2004" name="PlaceHolder 2"/>
-          <p:cNvSpPr>
-            <a:spLocks noGrp="1"/>
-          </p:cNvSpPr>
-          <p:nvPr>
-            <p:ph type="body"/>
-          </p:nvPr>
-        </p:nvSpPr>
-        <p:spPr>
-          <a:xfrm>
-            <a:off x="685800" y="4400640"/>
-            <a:ext cx="5486040" cy="3600000"/>
-          </a:xfrm>
-          <a:prstGeom prst="rect">
-            <a:avLst/>
-          </a:prstGeom>
-        </p:spPr>
-        <p:txBody>
-          <a:bodyPr/>
-          <a:p>
-            <a:endParaRPr lang="en-US" sz="2000" b="0" strike="noStrike" spc="-1">
-              <a:latin typeface="Arial"/>
-            </a:endParaRPr>
-          </a:p>
-        </p:txBody>
-      </p:sp>
-      <p:sp>
-        <p:nvSpPr>
-          <p:cNvPr id="2005" name="TextShape 3"/>
-          <p:cNvSpPr txBox="1"/>
-          <p:nvPr/>
-        </p:nvSpPr>
-        <p:spPr>
-          <a:xfrm>
-            <a:off x="3884760" y="8685360"/>
-            <a:ext cx="2971440" cy="458280"/>
-          </a:xfrm>
-          <a:prstGeom prst="rect">
-            <a:avLst/>
-          </a:prstGeom>
-          <a:noFill/>
-          <a:ln>
-            <a:noFill/>
-          </a:ln>
-        </p:spPr>
-        <p:txBody>
-          <a:bodyPr anchor="b"/>
-          <a:p>
-            <a:endParaRPr lang="en-US" sz="2400" b="0" strike="noStrike" spc="-1">
-              <a:latin typeface="Times New Roman"/>
-            </a:endParaRPr>
-          </a:p>
-        </p:txBody>
-      </p:sp>
-    </p:spTree>
-  </p:cSld>
-  <p:clrMapOvr>
-    <a:masterClrMapping/>
-  </p:clrMapOvr>
-</p:notes>
-</file>
-
-<file path=ppt/notesSlides/notesSlide7.xml><?xml version="1.0" encoding="utf-8"?>
 <p:notes xmlns:a="http://schemas.openxmlformats.org/drawingml/2006/main" xmlns:r="http://schemas.openxmlformats.org/officeDocument/2006/relationships" xmlns:p="http://schemas.openxmlformats.org/presentationml/2006/main">
   <p:cSld>
     <p:spTree>
@@ -19777,8 +19675,8 @@
         </p:nvSpPr>
         <p:spPr>
           <a:xfrm>
-            <a:off x="8683200" y="4111200"/>
-            <a:ext cx="2391480" cy="364680"/>
+            <a:off x="8682990" y="4110990"/>
+            <a:ext cx="3361690" cy="311785"/>
           </a:xfrm>
           <a:prstGeom prst="rect">
             <a:avLst/>
@@ -19809,27 +19707,22 @@
               </a:lnSpc>
             </a:pPr>
             <a:r>
-              <a:rPr lang="" altLang="en-US" sz="1800" b="0" strike="noStrike" spc="-1">
-                <a:ln w="10160">
-                  <a:solidFill>
-                    <a:schemeClr val="accent5"/>
-                  </a:solidFill>
-                  <a:prstDash val="solid"/>
-                </a:ln>
-                <a:solidFill>
-                  <a:srgbClr val="FFFFFF"/>
-                </a:solidFill>
-                <a:effectLst>
-                  <a:outerShdw blurRad="38100" dist="22860" dir="5400000" algn="tl" rotWithShape="0">
-                    <a:srgbClr val="000000">
-                      <a:alpha val="30000"/>
-                    </a:srgbClr>
-                  </a:outerShdw>
-                </a:effectLst>
+              <a:rPr lang="en-US" spc="-1">
                 <a:latin typeface="Arial"/>
+                <a:sym typeface="+mn-ea"/>
               </a:rPr>
-              <a:t>git stash</a:t>
+              <a:t>git log --graph --oneline</a:t>
             </a:r>
+            <a:endParaRPr lang="en-US" b="0" strike="noStrike" spc="-1">
+              <a:latin typeface="Arial"/>
+            </a:endParaRPr>
+          </a:p>
+          <a:p>
+            <a:pPr>
+              <a:lnSpc>
+                <a:spcPct val="100000"/>
+              </a:lnSpc>
+            </a:pPr>
             <a:endParaRPr lang="" altLang="en-US" sz="1800" b="0" strike="noStrike" spc="-1">
               <a:ln w="10160">
                 <a:solidFill>
@@ -21477,8 +21370,8 @@
         </p:nvSpPr>
         <p:spPr>
           <a:xfrm>
-            <a:off x="3735360" y="2754000"/>
-            <a:ext cx="2391480" cy="364680"/>
+            <a:off x="4397375" y="2839085"/>
+            <a:ext cx="1320165" cy="268605"/>
           </a:xfrm>
           <a:prstGeom prst="rect">
             <a:avLst/>
@@ -21509,16 +21402,12 @@
               </a:lnSpc>
             </a:pPr>
             <a:r>
-              <a:rPr lang="en-US" sz="1800" b="0" strike="noStrike" spc="-1">
-                <a:solidFill>
-                  <a:srgbClr val="FFFFFF"/>
-                </a:solidFill>
+              <a:rPr lang="" altLang="en-US" sz="1800" b="0" strike="noStrike" spc="-1">
                 <a:latin typeface="Arial"/>
-                <a:ea typeface="微软雅黑"/>
               </a:rPr>
-              <a:t>Type something here</a:t>
+              <a:t>git stash</a:t>
             </a:r>
-            <a:endParaRPr lang="en-US" sz="1800" b="0" strike="noStrike" spc="-1">
+            <a:endParaRPr lang="" altLang="en-US" sz="1800" b="0" strike="noStrike" spc="-1">
               <a:latin typeface="Arial"/>
             </a:endParaRPr>
           </a:p>
@@ -21534,61 +21423,6 @@
           <a:xfrm>
             <a:off x="6317280" y="4518360"/>
             <a:ext cx="2391480" cy="364680"/>
-          </a:xfrm>
-          <a:prstGeom prst="rect">
-            <a:avLst/>
-          </a:prstGeom>
-          <a:noFill/>
-          <a:ln>
-            <a:noFill/>
-          </a:ln>
-        </p:spPr>
-        <p:style>
-          <a:lnRef idx="0">
-            <a:srgbClr val="FFFFFF"/>
-          </a:lnRef>
-          <a:fillRef idx="0">
-            <a:srgbClr val="FFFFFF"/>
-          </a:fillRef>
-          <a:effectRef idx="0">
-            <a:srgbClr val="FFFFFF"/>
-          </a:effectRef>
-          <a:fontRef idx="minor"/>
-        </p:style>
-        <p:txBody>
-          <a:bodyPr lIns="90000" tIns="45000" rIns="90000" bIns="45000"/>
-          <a:p>
-            <a:pPr>
-              <a:lnSpc>
-                <a:spcPct val="100000"/>
-              </a:lnSpc>
-            </a:pPr>
-            <a:r>
-              <a:rPr lang="en-US" sz="1800" b="0" strike="noStrike" spc="-1">
-                <a:solidFill>
-                  <a:srgbClr val="FFFFFF"/>
-                </a:solidFill>
-                <a:latin typeface="Arial"/>
-                <a:ea typeface="微软雅黑"/>
-              </a:rPr>
-              <a:t>Type something here</a:t>
-            </a:r>
-            <a:endParaRPr lang="en-US" sz="1800" b="0" strike="noStrike" spc="-1">
-              <a:latin typeface="Arial"/>
-            </a:endParaRPr>
-          </a:p>
-        </p:txBody>
-      </p:sp>
-      <p:sp>
-        <p:nvSpPr>
-          <p:cNvPr id="1381" name="CustomShape 33"/>
-          <p:cNvSpPr/>
-          <p:nvPr/>
-        </p:nvSpPr>
-        <p:spPr>
-          <a:xfrm>
-            <a:off x="2885440" y="5762625"/>
-            <a:ext cx="3241040" cy="379095"/>
           </a:xfrm>
           <a:prstGeom prst="rect">
             <a:avLst/>
@@ -21622,7 +21456,58 @@
               <a:rPr lang="en-US" sz="1800" b="0" strike="noStrike" spc="-1">
                 <a:latin typeface="Arial"/>
               </a:rPr>
-              <a:t>git log --graph --oneline</a:t>
+              <a:t>git blame </a:t>
+            </a:r>
+            <a:endParaRPr lang="en-US" sz="1800" b="0" strike="noStrike" spc="-1">
+              <a:latin typeface="Arial"/>
+            </a:endParaRPr>
+          </a:p>
+        </p:txBody>
+      </p:sp>
+      <p:sp>
+        <p:nvSpPr>
+          <p:cNvPr id="1381" name="CustomShape 33"/>
+          <p:cNvSpPr/>
+          <p:nvPr/>
+        </p:nvSpPr>
+        <p:spPr>
+          <a:xfrm>
+            <a:off x="4533265" y="5767705"/>
+            <a:ext cx="1399540" cy="349250"/>
+          </a:xfrm>
+          <a:prstGeom prst="rect">
+            <a:avLst/>
+          </a:prstGeom>
+          <a:noFill/>
+          <a:ln>
+            <a:noFill/>
+          </a:ln>
+        </p:spPr>
+        <p:style>
+          <a:lnRef idx="0">
+            <a:srgbClr val="FFFFFF"/>
+          </a:lnRef>
+          <a:fillRef idx="0">
+            <a:srgbClr val="FFFFFF"/>
+          </a:fillRef>
+          <a:effectRef idx="0">
+            <a:srgbClr val="FFFFFF"/>
+          </a:effectRef>
+          <a:fontRef idx="minor"/>
+        </p:style>
+        <p:txBody>
+          <a:bodyPr lIns="90000" tIns="45000" rIns="90000" bIns="45000"/>
+          <a:p>
+            <a:pPr>
+              <a:lnSpc>
+                <a:spcPct val="100000"/>
+              </a:lnSpc>
+            </a:pPr>
+            <a:r>
+              <a:rPr lang="en-US" sz="1800" b="0" strike="noStrike" spc="-1">
+                <a:latin typeface="Arial"/>
+              </a:rPr>
+              <a:t>git reset</a:t>
             </a:r>
             <a:endParaRPr lang="en-US" sz="1800" b="0" strike="noStrike" spc="-1">
               <a:latin typeface="Arial"/>
@@ -21720,1533 +21605,6 @@
 </file>
 
 <file path=ppt/slides/slide6.xml><?xml version="1.0" encoding="utf-8"?>
-<p:sld xmlns:a="http://schemas.openxmlformats.org/drawingml/2006/main" xmlns:r="http://schemas.openxmlformats.org/officeDocument/2006/relationships" xmlns:p="http://schemas.openxmlformats.org/presentationml/2006/main">
-  <p:cSld>
-    <p:bg>
-      <p:bgPr>
-        <a:solidFill>
-          <a:srgbClr val="696969"/>
-        </a:solidFill>
-        <a:effectLst/>
-      </p:bgPr>
-    </p:bg>
-    <p:spTree>
-      <p:nvGrpSpPr>
-        <p:cNvPr id="1" name=""/>
-        <p:cNvGrpSpPr/>
-        <p:nvPr/>
-      </p:nvGrpSpPr>
-      <p:grpSpPr>
-        <a:xfrm>
-          <a:off x="0" y="0"/>
-          <a:ext cx="0" cy="0"/>
-          <a:chOff x="0" y="0"/>
-          <a:chExt cx="0" cy="0"/>
-        </a:xfrm>
-      </p:grpSpPr>
-      <p:sp>
-        <p:nvSpPr>
-          <p:cNvPr id="1384" name="Line 1"/>
-          <p:cNvSpPr/>
-          <p:nvPr/>
-        </p:nvSpPr>
-        <p:spPr>
-          <a:xfrm>
-            <a:off x="6129720" y="0"/>
-            <a:ext cx="360" cy="6858000"/>
-          </a:xfrm>
-          <a:prstGeom prst="line">
-            <a:avLst/>
-          </a:prstGeom>
-          <a:ln w="12600">
-            <a:solidFill>
-              <a:srgbClr val="595959"/>
-            </a:solidFill>
-          </a:ln>
-        </p:spPr>
-        <p:style>
-          <a:lnRef idx="1">
-            <a:schemeClr val="accent1"/>
-          </a:lnRef>
-          <a:fillRef idx="0">
-            <a:schemeClr val="accent1"/>
-          </a:fillRef>
-          <a:effectRef idx="0">
-            <a:schemeClr val="accent1"/>
-          </a:effectRef>
-          <a:fontRef idx="minor"/>
-        </p:style>
-      </p:sp>
-      <p:sp>
-        <p:nvSpPr>
-          <p:cNvPr id="1385" name="CustomShape 2"/>
-          <p:cNvSpPr/>
-          <p:nvPr/>
-        </p:nvSpPr>
-        <p:spPr>
-          <a:xfrm>
-            <a:off x="4457520" y="5775120"/>
-            <a:ext cx="3367080" cy="1082520"/>
-          </a:xfrm>
-          <a:prstGeom prst="triangle">
-            <a:avLst>
-              <a:gd name="adj" fmla="val 50000"/>
-            </a:avLst>
-          </a:prstGeom>
-          <a:solidFill>
-            <a:srgbClr val="ECECEC"/>
-          </a:solidFill>
-          <a:ln>
-            <a:noFill/>
-          </a:ln>
-        </p:spPr>
-        <p:style>
-          <a:lnRef idx="2">
-            <a:schemeClr val="accent1">
-              <a:shade val="50000"/>
-            </a:schemeClr>
-          </a:lnRef>
-          <a:fillRef idx="1">
-            <a:schemeClr val="accent1"/>
-          </a:fillRef>
-          <a:effectRef idx="0">
-            <a:schemeClr val="accent1"/>
-          </a:effectRef>
-          <a:fontRef idx="minor"/>
-        </p:style>
-      </p:sp>
-      <p:sp>
-        <p:nvSpPr>
-          <p:cNvPr id="1386" name="Line 3"/>
-          <p:cNvSpPr/>
-          <p:nvPr/>
-        </p:nvSpPr>
-        <p:spPr>
-          <a:xfrm>
-            <a:off x="6127200" y="0"/>
-            <a:ext cx="13680" cy="5775120"/>
-          </a:xfrm>
-          <a:prstGeom prst="line">
-            <a:avLst/>
-          </a:prstGeom>
-          <a:ln>
-            <a:solidFill>
-              <a:schemeClr val="bg1">
-                <a:alpha val="43000"/>
-              </a:schemeClr>
-            </a:solidFill>
-          </a:ln>
-        </p:spPr>
-        <p:style>
-          <a:lnRef idx="1">
-            <a:schemeClr val="accent1"/>
-          </a:lnRef>
-          <a:fillRef idx="0">
-            <a:schemeClr val="accent1"/>
-          </a:fillRef>
-          <a:effectRef idx="0">
-            <a:schemeClr val="accent1"/>
-          </a:effectRef>
-          <a:fontRef idx="minor"/>
-        </p:style>
-      </p:sp>
-      <p:sp>
-        <p:nvSpPr>
-          <p:cNvPr id="1387" name="CustomShape 4"/>
-          <p:cNvSpPr/>
-          <p:nvPr/>
-        </p:nvSpPr>
-        <p:spPr>
-          <a:xfrm rot="16574400">
-            <a:off x="6025680" y="2759760"/>
-            <a:ext cx="160560" cy="160560"/>
-          </a:xfrm>
-          <a:prstGeom prst="ellipse">
-            <a:avLst/>
-          </a:prstGeom>
-          <a:solidFill>
-            <a:srgbClr val="595959"/>
-          </a:solidFill>
-          <a:ln>
-            <a:solidFill>
-              <a:schemeClr val="bg1">
-                <a:lumMod val="75000"/>
-              </a:schemeClr>
-            </a:solidFill>
-          </a:ln>
-        </p:spPr>
-        <p:style>
-          <a:lnRef idx="2">
-            <a:schemeClr val="accent1">
-              <a:shade val="50000"/>
-            </a:schemeClr>
-          </a:lnRef>
-          <a:fillRef idx="1">
-            <a:schemeClr val="accent1"/>
-          </a:fillRef>
-          <a:effectRef idx="0">
-            <a:schemeClr val="accent1"/>
-          </a:effectRef>
-          <a:fontRef idx="minor"/>
-        </p:style>
-      </p:sp>
-      <p:sp>
-        <p:nvSpPr>
-          <p:cNvPr id="1388" name="CustomShape 5"/>
-          <p:cNvSpPr/>
-          <p:nvPr/>
-        </p:nvSpPr>
-        <p:spPr>
-          <a:xfrm rot="16574400">
-            <a:off x="6051960" y="1077480"/>
-            <a:ext cx="223920" cy="223920"/>
-          </a:xfrm>
-          <a:prstGeom prst="ellipse">
-            <a:avLst/>
-          </a:prstGeom>
-          <a:solidFill>
-            <a:schemeClr val="bg1">
-              <a:lumMod val="65000"/>
-            </a:schemeClr>
-          </a:solidFill>
-          <a:ln>
-            <a:noFill/>
-          </a:ln>
-        </p:spPr>
-        <p:style>
-          <a:lnRef idx="2">
-            <a:schemeClr val="accent1">
-              <a:shade val="50000"/>
-            </a:schemeClr>
-          </a:lnRef>
-          <a:fillRef idx="1">
-            <a:schemeClr val="accent1"/>
-          </a:fillRef>
-          <a:effectRef idx="0">
-            <a:schemeClr val="accent1"/>
-          </a:effectRef>
-          <a:fontRef idx="minor"/>
-        </p:style>
-      </p:sp>
-      <p:sp>
-        <p:nvSpPr>
-          <p:cNvPr id="1389" name="CustomShape 6"/>
-          <p:cNvSpPr/>
-          <p:nvPr/>
-        </p:nvSpPr>
-        <p:spPr>
-          <a:xfrm rot="16574400">
-            <a:off x="6040800" y="4084560"/>
-            <a:ext cx="225720" cy="225720"/>
-          </a:xfrm>
-          <a:prstGeom prst="ellipse">
-            <a:avLst/>
-          </a:prstGeom>
-          <a:solidFill>
-            <a:srgbClr val="F7F7F7"/>
-          </a:solidFill>
-          <a:ln>
-            <a:solidFill>
-              <a:schemeClr val="bg1">
-                <a:lumMod val="50000"/>
-              </a:schemeClr>
-            </a:solidFill>
-          </a:ln>
-        </p:spPr>
-        <p:style>
-          <a:lnRef idx="2">
-            <a:schemeClr val="accent1">
-              <a:shade val="50000"/>
-            </a:schemeClr>
-          </a:lnRef>
-          <a:fillRef idx="1">
-            <a:schemeClr val="accent1"/>
-          </a:fillRef>
-          <a:effectRef idx="0">
-            <a:schemeClr val="accent1"/>
-          </a:effectRef>
-          <a:fontRef idx="minor"/>
-        </p:style>
-      </p:sp>
-      <p:sp>
-        <p:nvSpPr>
-          <p:cNvPr id="1390" name="CustomShape 7"/>
-          <p:cNvSpPr/>
-          <p:nvPr/>
-        </p:nvSpPr>
-        <p:spPr>
-          <a:xfrm rot="16574400">
-            <a:off x="6025680" y="5549760"/>
-            <a:ext cx="160560" cy="160560"/>
-          </a:xfrm>
-          <a:prstGeom prst="ellipse">
-            <a:avLst/>
-          </a:prstGeom>
-          <a:solidFill>
-            <a:srgbClr val="595959"/>
-          </a:solidFill>
-          <a:ln>
-            <a:solidFill>
-              <a:schemeClr val="bg1">
-                <a:lumMod val="75000"/>
-              </a:schemeClr>
-            </a:solidFill>
-          </a:ln>
-        </p:spPr>
-        <p:style>
-          <a:lnRef idx="2">
-            <a:schemeClr val="accent1">
-              <a:shade val="50000"/>
-            </a:schemeClr>
-          </a:lnRef>
-          <a:fillRef idx="1">
-            <a:schemeClr val="accent1"/>
-          </a:fillRef>
-          <a:effectRef idx="0">
-            <a:schemeClr val="accent1"/>
-          </a:effectRef>
-          <a:fontRef idx="minor"/>
-        </p:style>
-      </p:sp>
-      <p:sp>
-        <p:nvSpPr>
-          <p:cNvPr id="1391" name="Line 8"/>
-          <p:cNvSpPr/>
-          <p:nvPr/>
-        </p:nvSpPr>
-        <p:spPr>
-          <a:xfrm>
-            <a:off x="6442560" y="0"/>
-            <a:ext cx="150120" cy="374400"/>
-          </a:xfrm>
-          <a:prstGeom prst="line">
-            <a:avLst/>
-          </a:prstGeom>
-          <a:ln>
-            <a:solidFill>
-              <a:schemeClr val="bg1">
-                <a:lumMod val="75000"/>
-                <a:alpha val="21000"/>
-              </a:schemeClr>
-            </a:solidFill>
-          </a:ln>
-        </p:spPr>
-        <p:style>
-          <a:lnRef idx="1">
-            <a:schemeClr val="accent1"/>
-          </a:lnRef>
-          <a:fillRef idx="0">
-            <a:schemeClr val="accent1"/>
-          </a:fillRef>
-          <a:effectRef idx="0">
-            <a:schemeClr val="accent1"/>
-          </a:effectRef>
-          <a:fontRef idx="minor"/>
-        </p:style>
-      </p:sp>
-      <p:sp>
-        <p:nvSpPr>
-          <p:cNvPr id="1392" name="Line 9"/>
-          <p:cNvSpPr/>
-          <p:nvPr/>
-        </p:nvSpPr>
-        <p:spPr>
-          <a:xfrm flipV="1">
-            <a:off x="6251760" y="391680"/>
-            <a:ext cx="336600" cy="727560"/>
-          </a:xfrm>
-          <a:prstGeom prst="line">
-            <a:avLst/>
-          </a:prstGeom>
-          <a:ln>
-            <a:solidFill>
-              <a:schemeClr val="bg1">
-                <a:lumMod val="75000"/>
-                <a:alpha val="21000"/>
-              </a:schemeClr>
-            </a:solidFill>
-          </a:ln>
-        </p:spPr>
-        <p:style>
-          <a:lnRef idx="1">
-            <a:schemeClr val="accent1"/>
-          </a:lnRef>
-          <a:fillRef idx="0">
-            <a:schemeClr val="accent1"/>
-          </a:fillRef>
-          <a:effectRef idx="0">
-            <a:schemeClr val="accent1"/>
-          </a:effectRef>
-          <a:fontRef idx="minor"/>
-        </p:style>
-      </p:sp>
-      <p:sp>
-        <p:nvSpPr>
-          <p:cNvPr id="1393" name="CustomShape 10"/>
-          <p:cNvSpPr/>
-          <p:nvPr/>
-        </p:nvSpPr>
-        <p:spPr>
-          <a:xfrm rot="16574400">
-            <a:off x="6534000" y="302760"/>
-            <a:ext cx="101880" cy="101880"/>
-          </a:xfrm>
-          <a:prstGeom prst="ellipse">
-            <a:avLst/>
-          </a:prstGeom>
-          <a:solidFill>
-            <a:srgbClr val="595959"/>
-          </a:solidFill>
-          <a:ln>
-            <a:solidFill>
-              <a:schemeClr val="bg1">
-                <a:lumMod val="75000"/>
-              </a:schemeClr>
-            </a:solidFill>
-          </a:ln>
-        </p:spPr>
-        <p:style>
-          <a:lnRef idx="2">
-            <a:schemeClr val="accent1">
-              <a:shade val="50000"/>
-            </a:schemeClr>
-          </a:lnRef>
-          <a:fillRef idx="1">
-            <a:schemeClr val="accent1"/>
-          </a:fillRef>
-          <a:effectRef idx="0">
-            <a:schemeClr val="accent1"/>
-          </a:effectRef>
-          <a:fontRef idx="minor"/>
-        </p:style>
-      </p:sp>
-      <p:sp>
-        <p:nvSpPr>
-          <p:cNvPr id="1394" name="Line 11"/>
-          <p:cNvSpPr/>
-          <p:nvPr/>
-        </p:nvSpPr>
-        <p:spPr>
-          <a:xfrm flipH="1">
-            <a:off x="5641560" y="1259640"/>
-            <a:ext cx="435240" cy="156960"/>
-          </a:xfrm>
-          <a:prstGeom prst="line">
-            <a:avLst/>
-          </a:prstGeom>
-          <a:ln>
-            <a:solidFill>
-              <a:schemeClr val="bg1">
-                <a:lumMod val="75000"/>
-                <a:alpha val="21000"/>
-              </a:schemeClr>
-            </a:solidFill>
-          </a:ln>
-        </p:spPr>
-        <p:style>
-          <a:lnRef idx="1">
-            <a:schemeClr val="accent1"/>
-          </a:lnRef>
-          <a:fillRef idx="0">
-            <a:schemeClr val="accent1"/>
-          </a:fillRef>
-          <a:effectRef idx="0">
-            <a:schemeClr val="accent1"/>
-          </a:effectRef>
-          <a:fontRef idx="minor"/>
-        </p:style>
-      </p:sp>
-      <p:sp>
-        <p:nvSpPr>
-          <p:cNvPr id="1395" name="Line 12"/>
-          <p:cNvSpPr/>
-          <p:nvPr/>
-        </p:nvSpPr>
-        <p:spPr>
-          <a:xfrm flipH="1" flipV="1">
-            <a:off x="5659560" y="1420200"/>
-            <a:ext cx="396360" cy="1356840"/>
-          </a:xfrm>
-          <a:prstGeom prst="line">
-            <a:avLst/>
-          </a:prstGeom>
-          <a:ln>
-            <a:solidFill>
-              <a:schemeClr val="bg1">
-                <a:lumMod val="75000"/>
-                <a:alpha val="21000"/>
-              </a:schemeClr>
-            </a:solidFill>
-          </a:ln>
-        </p:spPr>
-        <p:style>
-          <a:lnRef idx="1">
-            <a:schemeClr val="accent1"/>
-          </a:lnRef>
-          <a:fillRef idx="0">
-            <a:schemeClr val="accent1"/>
-          </a:fillRef>
-          <a:effectRef idx="0">
-            <a:schemeClr val="accent1"/>
-          </a:effectRef>
-          <a:fontRef idx="minor"/>
-        </p:style>
-      </p:sp>
-      <p:sp>
-        <p:nvSpPr>
-          <p:cNvPr id="1396" name="CustomShape 13"/>
-          <p:cNvSpPr/>
-          <p:nvPr/>
-        </p:nvSpPr>
-        <p:spPr>
-          <a:xfrm rot="16574400">
-            <a:off x="5573160" y="1337760"/>
-            <a:ext cx="153000" cy="153000"/>
-          </a:xfrm>
-          <a:prstGeom prst="ellipse">
-            <a:avLst/>
-          </a:prstGeom>
-          <a:solidFill>
-            <a:srgbClr val="F7F7F7"/>
-          </a:solidFill>
-          <a:ln>
-            <a:solidFill>
-              <a:schemeClr val="bg1">
-                <a:lumMod val="50000"/>
-              </a:schemeClr>
-            </a:solidFill>
-          </a:ln>
-        </p:spPr>
-        <p:style>
-          <a:lnRef idx="2">
-            <a:schemeClr val="accent1">
-              <a:shade val="50000"/>
-            </a:schemeClr>
-          </a:lnRef>
-          <a:fillRef idx="1">
-            <a:schemeClr val="accent1"/>
-          </a:fillRef>
-          <a:effectRef idx="0">
-            <a:schemeClr val="accent1"/>
-          </a:effectRef>
-          <a:fontRef idx="minor"/>
-        </p:style>
-      </p:sp>
-      <p:sp>
-        <p:nvSpPr>
-          <p:cNvPr id="1397" name="Line 14"/>
-          <p:cNvSpPr/>
-          <p:nvPr/>
-        </p:nvSpPr>
-        <p:spPr>
-          <a:xfrm flipH="1" flipV="1">
-            <a:off x="6186240" y="2848680"/>
-            <a:ext cx="526680" cy="1911240"/>
-          </a:xfrm>
-          <a:prstGeom prst="line">
-            <a:avLst/>
-          </a:prstGeom>
-          <a:ln>
-            <a:solidFill>
-              <a:schemeClr val="bg1">
-                <a:lumMod val="75000"/>
-                <a:alpha val="21000"/>
-              </a:schemeClr>
-            </a:solidFill>
-          </a:ln>
-        </p:spPr>
-        <p:style>
-          <a:lnRef idx="1">
-            <a:schemeClr val="accent1"/>
-          </a:lnRef>
-          <a:fillRef idx="0">
-            <a:schemeClr val="accent1"/>
-          </a:fillRef>
-          <a:effectRef idx="0">
-            <a:schemeClr val="accent1"/>
-          </a:effectRef>
-          <a:fontRef idx="minor"/>
-        </p:style>
-      </p:sp>
-      <p:sp>
-        <p:nvSpPr>
-          <p:cNvPr id="1398" name="Line 15"/>
-          <p:cNvSpPr/>
-          <p:nvPr/>
-        </p:nvSpPr>
-        <p:spPr>
-          <a:xfrm flipV="1">
-            <a:off x="6168960" y="4788360"/>
-            <a:ext cx="586800" cy="790920"/>
-          </a:xfrm>
-          <a:prstGeom prst="line">
-            <a:avLst/>
-          </a:prstGeom>
-          <a:ln>
-            <a:solidFill>
-              <a:schemeClr val="bg1">
-                <a:lumMod val="75000"/>
-                <a:alpha val="21000"/>
-              </a:schemeClr>
-            </a:solidFill>
-          </a:ln>
-        </p:spPr>
-        <p:style>
-          <a:lnRef idx="1">
-            <a:schemeClr val="accent1"/>
-          </a:lnRef>
-          <a:fillRef idx="0">
-            <a:schemeClr val="accent1"/>
-          </a:fillRef>
-          <a:effectRef idx="0">
-            <a:schemeClr val="accent1"/>
-          </a:effectRef>
-          <a:fontRef idx="minor"/>
-        </p:style>
-      </p:sp>
-      <p:sp>
-        <p:nvSpPr>
-          <p:cNvPr id="1399" name="CustomShape 16"/>
-          <p:cNvSpPr/>
-          <p:nvPr/>
-        </p:nvSpPr>
-        <p:spPr>
-          <a:xfrm rot="16574400">
-            <a:off x="6623280" y="4749480"/>
-            <a:ext cx="223920" cy="223920"/>
-          </a:xfrm>
-          <a:prstGeom prst="ellipse">
-            <a:avLst/>
-          </a:prstGeom>
-          <a:solidFill>
-            <a:schemeClr val="bg1">
-              <a:lumMod val="65000"/>
-            </a:schemeClr>
-          </a:solidFill>
-          <a:ln>
-            <a:noFill/>
-          </a:ln>
-        </p:spPr>
-        <p:style>
-          <a:lnRef idx="2">
-            <a:schemeClr val="accent1">
-              <a:shade val="50000"/>
-            </a:schemeClr>
-          </a:lnRef>
-          <a:fillRef idx="1">
-            <a:schemeClr val="accent1"/>
-          </a:fillRef>
-          <a:effectRef idx="0">
-            <a:schemeClr val="accent1"/>
-          </a:effectRef>
-          <a:fontRef idx="minor"/>
-        </p:style>
-      </p:sp>
-      <p:sp>
-        <p:nvSpPr>
-          <p:cNvPr id="1400" name="Line 17"/>
-          <p:cNvSpPr/>
-          <p:nvPr/>
-        </p:nvSpPr>
-        <p:spPr>
-          <a:xfrm flipV="1">
-            <a:off x="5498640" y="4268160"/>
-            <a:ext cx="567000" cy="1277640"/>
-          </a:xfrm>
-          <a:prstGeom prst="line">
-            <a:avLst/>
-          </a:prstGeom>
-          <a:ln>
-            <a:solidFill>
-              <a:schemeClr val="bg1">
-                <a:lumMod val="75000"/>
-                <a:alpha val="21000"/>
-              </a:schemeClr>
-            </a:solidFill>
-          </a:ln>
-        </p:spPr>
-        <p:style>
-          <a:lnRef idx="1">
-            <a:schemeClr val="accent1"/>
-          </a:lnRef>
-          <a:fillRef idx="0">
-            <a:schemeClr val="accent1"/>
-          </a:fillRef>
-          <a:effectRef idx="0">
-            <a:schemeClr val="accent1"/>
-          </a:effectRef>
-          <a:fontRef idx="minor"/>
-        </p:style>
-      </p:sp>
-      <p:sp>
-        <p:nvSpPr>
-          <p:cNvPr id="1401" name="Line 18"/>
-          <p:cNvSpPr/>
-          <p:nvPr/>
-        </p:nvSpPr>
-        <p:spPr>
-          <a:xfrm flipH="1" flipV="1">
-            <a:off x="5498640" y="5541120"/>
-            <a:ext cx="79560" cy="589320"/>
-          </a:xfrm>
-          <a:prstGeom prst="line">
-            <a:avLst/>
-          </a:prstGeom>
-          <a:ln>
-            <a:solidFill>
-              <a:schemeClr val="bg1">
-                <a:lumMod val="75000"/>
-                <a:alpha val="21000"/>
-              </a:schemeClr>
-            </a:solidFill>
-          </a:ln>
-        </p:spPr>
-        <p:style>
-          <a:lnRef idx="1">
-            <a:schemeClr val="accent1"/>
-          </a:lnRef>
-          <a:fillRef idx="0">
-            <a:schemeClr val="accent1"/>
-          </a:fillRef>
-          <a:effectRef idx="0">
-            <a:schemeClr val="accent1"/>
-          </a:effectRef>
-          <a:fontRef idx="minor"/>
-        </p:style>
-      </p:sp>
-      <p:sp>
-        <p:nvSpPr>
-          <p:cNvPr id="1402" name="Line 19"/>
-          <p:cNvSpPr/>
-          <p:nvPr/>
-        </p:nvSpPr>
-        <p:spPr>
-          <a:xfrm flipV="1">
-            <a:off x="6026040" y="5886000"/>
-            <a:ext cx="259200" cy="129600"/>
-          </a:xfrm>
-          <a:prstGeom prst="line">
-            <a:avLst/>
-          </a:prstGeom>
-          <a:ln>
-            <a:solidFill>
-              <a:schemeClr val="bg1">
-                <a:lumMod val="75000"/>
-              </a:schemeClr>
-            </a:solidFill>
-          </a:ln>
-        </p:spPr>
-        <p:style>
-          <a:lnRef idx="1">
-            <a:schemeClr val="accent1"/>
-          </a:lnRef>
-          <a:fillRef idx="0">
-            <a:schemeClr val="accent1"/>
-          </a:fillRef>
-          <a:effectRef idx="0">
-            <a:schemeClr val="accent1"/>
-          </a:effectRef>
-          <a:fontRef idx="minor"/>
-        </p:style>
-      </p:sp>
-      <p:sp>
-        <p:nvSpPr>
-          <p:cNvPr id="1403" name="Line 20"/>
-          <p:cNvSpPr/>
-          <p:nvPr/>
-        </p:nvSpPr>
-        <p:spPr>
-          <a:xfrm flipH="1">
-            <a:off x="5662800" y="6032880"/>
-            <a:ext cx="320760" cy="352080"/>
-          </a:xfrm>
-          <a:prstGeom prst="line">
-            <a:avLst/>
-          </a:prstGeom>
-          <a:ln>
-            <a:solidFill>
-              <a:schemeClr val="bg1">
-                <a:lumMod val="75000"/>
-              </a:schemeClr>
-            </a:solidFill>
-          </a:ln>
-        </p:spPr>
-        <p:style>
-          <a:lnRef idx="1">
-            <a:schemeClr val="accent1"/>
-          </a:lnRef>
-          <a:fillRef idx="0">
-            <a:schemeClr val="accent1"/>
-          </a:fillRef>
-          <a:effectRef idx="0">
-            <a:schemeClr val="accent1"/>
-          </a:effectRef>
-          <a:fontRef idx="minor"/>
-        </p:style>
-      </p:sp>
-      <p:sp>
-        <p:nvSpPr>
-          <p:cNvPr id="1404" name="Line 21"/>
-          <p:cNvSpPr/>
-          <p:nvPr/>
-        </p:nvSpPr>
-        <p:spPr>
-          <a:xfrm flipH="1" flipV="1">
-            <a:off x="5580720" y="6128280"/>
-            <a:ext cx="29160" cy="226080"/>
-          </a:xfrm>
-          <a:prstGeom prst="line">
-            <a:avLst/>
-          </a:prstGeom>
-          <a:ln>
-            <a:solidFill>
-              <a:schemeClr val="bg1">
-                <a:lumMod val="75000"/>
-              </a:schemeClr>
-            </a:solidFill>
-          </a:ln>
-        </p:spPr>
-        <p:style>
-          <a:lnRef idx="1">
-            <a:schemeClr val="accent1"/>
-          </a:lnRef>
-          <a:fillRef idx="0">
-            <a:schemeClr val="accent1"/>
-          </a:fillRef>
-          <a:effectRef idx="0">
-            <a:schemeClr val="accent1"/>
-          </a:effectRef>
-          <a:fontRef idx="minor"/>
-        </p:style>
-      </p:sp>
-      <p:sp>
-        <p:nvSpPr>
-          <p:cNvPr id="1405" name="CustomShape 22"/>
-          <p:cNvSpPr/>
-          <p:nvPr/>
-        </p:nvSpPr>
-        <p:spPr>
-          <a:xfrm rot="9900000" flipH="1">
-            <a:off x="5578200" y="6353280"/>
-            <a:ext cx="86400" cy="86400"/>
-          </a:xfrm>
-          <a:prstGeom prst="ellipse">
-            <a:avLst/>
-          </a:prstGeom>
-          <a:solidFill>
-            <a:schemeClr val="tx1">
-              <a:lumMod val="85000"/>
-              <a:lumOff val="15000"/>
-            </a:schemeClr>
-          </a:solidFill>
-          <a:ln>
-            <a:noFill/>
-          </a:ln>
-        </p:spPr>
-        <p:style>
-          <a:lnRef idx="2">
-            <a:schemeClr val="accent1">
-              <a:shade val="50000"/>
-            </a:schemeClr>
-          </a:lnRef>
-          <a:fillRef idx="1">
-            <a:schemeClr val="accent1"/>
-          </a:fillRef>
-          <a:effectRef idx="0">
-            <a:schemeClr val="accent1"/>
-          </a:effectRef>
-          <a:fontRef idx="minor"/>
-        </p:style>
-      </p:sp>
-      <p:sp>
-        <p:nvSpPr>
-          <p:cNvPr id="1406" name="CustomShape 23"/>
-          <p:cNvSpPr/>
-          <p:nvPr/>
-        </p:nvSpPr>
-        <p:spPr>
-          <a:xfrm rot="9900000" flipH="1">
-            <a:off x="5906880" y="5970960"/>
-            <a:ext cx="120240" cy="120600"/>
-          </a:xfrm>
-          <a:prstGeom prst="ellipse">
-            <a:avLst/>
-          </a:prstGeom>
-          <a:solidFill>
-            <a:schemeClr val="bg1">
-              <a:lumMod val="65000"/>
-            </a:schemeClr>
-          </a:solidFill>
-          <a:ln>
-            <a:noFill/>
-          </a:ln>
-        </p:spPr>
-        <p:style>
-          <a:lnRef idx="2">
-            <a:schemeClr val="accent1">
-              <a:shade val="50000"/>
-            </a:schemeClr>
-          </a:lnRef>
-          <a:fillRef idx="1">
-            <a:schemeClr val="accent1"/>
-          </a:fillRef>
-          <a:effectRef idx="0">
-            <a:schemeClr val="accent1"/>
-          </a:effectRef>
-          <a:fontRef idx="minor"/>
-        </p:style>
-      </p:sp>
-      <p:sp>
-        <p:nvSpPr>
-          <p:cNvPr id="1407" name="Line 24"/>
-          <p:cNvSpPr/>
-          <p:nvPr/>
-        </p:nvSpPr>
-        <p:spPr>
-          <a:xfrm>
-            <a:off x="6145200" y="6487200"/>
-            <a:ext cx="214200" cy="246600"/>
-          </a:xfrm>
-          <a:prstGeom prst="line">
-            <a:avLst/>
-          </a:prstGeom>
-          <a:ln>
-            <a:solidFill>
-              <a:schemeClr val="bg1">
-                <a:lumMod val="75000"/>
-              </a:schemeClr>
-            </a:solidFill>
-          </a:ln>
-        </p:spPr>
-        <p:style>
-          <a:lnRef idx="1">
-            <a:schemeClr val="accent1"/>
-          </a:lnRef>
-          <a:fillRef idx="0">
-            <a:schemeClr val="accent1"/>
-          </a:fillRef>
-          <a:effectRef idx="0">
-            <a:schemeClr val="accent1"/>
-          </a:effectRef>
-          <a:fontRef idx="minor"/>
-        </p:style>
-      </p:sp>
-      <p:sp>
-        <p:nvSpPr>
-          <p:cNvPr id="1408" name="Line 25"/>
-          <p:cNvSpPr/>
-          <p:nvPr/>
-        </p:nvSpPr>
-        <p:spPr>
-          <a:xfrm flipH="1">
-            <a:off x="6163560" y="5912280"/>
-            <a:ext cx="141840" cy="588240"/>
-          </a:xfrm>
-          <a:prstGeom prst="line">
-            <a:avLst/>
-          </a:prstGeom>
-          <a:ln>
-            <a:solidFill>
-              <a:schemeClr val="bg1">
-                <a:lumMod val="75000"/>
-              </a:schemeClr>
-            </a:solidFill>
-          </a:ln>
-        </p:spPr>
-        <p:style>
-          <a:lnRef idx="1">
-            <a:schemeClr val="accent1"/>
-          </a:lnRef>
-          <a:fillRef idx="0">
-            <a:schemeClr val="accent1"/>
-          </a:fillRef>
-          <a:effectRef idx="0">
-            <a:schemeClr val="accent1"/>
-          </a:effectRef>
-          <a:fontRef idx="minor"/>
-        </p:style>
-      </p:sp>
-      <p:sp>
-        <p:nvSpPr>
-          <p:cNvPr id="1409" name="Line 26"/>
-          <p:cNvSpPr/>
-          <p:nvPr/>
-        </p:nvSpPr>
-        <p:spPr>
-          <a:xfrm flipH="1">
-            <a:off x="6379560" y="6549120"/>
-            <a:ext cx="349200" cy="189000"/>
-          </a:xfrm>
-          <a:prstGeom prst="line">
-            <a:avLst/>
-          </a:prstGeom>
-          <a:ln>
-            <a:solidFill>
-              <a:schemeClr val="bg1">
-                <a:lumMod val="75000"/>
-              </a:schemeClr>
-            </a:solidFill>
-          </a:ln>
-        </p:spPr>
-        <p:style>
-          <a:lnRef idx="1">
-            <a:schemeClr val="accent1"/>
-          </a:lnRef>
-          <a:fillRef idx="0">
-            <a:schemeClr val="accent1"/>
-          </a:fillRef>
-          <a:effectRef idx="0">
-            <a:schemeClr val="accent1"/>
-          </a:effectRef>
-          <a:fontRef idx="minor"/>
-        </p:style>
-      </p:sp>
-      <p:sp>
-        <p:nvSpPr>
-          <p:cNvPr id="1410" name="Line 27"/>
-          <p:cNvSpPr/>
-          <p:nvPr/>
-        </p:nvSpPr>
-        <p:spPr>
-          <a:xfrm>
-            <a:off x="6198840" y="6491160"/>
-            <a:ext cx="494280" cy="67680"/>
-          </a:xfrm>
-          <a:prstGeom prst="line">
-            <a:avLst/>
-          </a:prstGeom>
-          <a:ln>
-            <a:solidFill>
-              <a:schemeClr val="bg1">
-                <a:lumMod val="75000"/>
-              </a:schemeClr>
-            </a:solidFill>
-          </a:ln>
-        </p:spPr>
-        <p:style>
-          <a:lnRef idx="1">
-            <a:schemeClr val="accent1"/>
-          </a:lnRef>
-          <a:fillRef idx="0">
-            <a:schemeClr val="accent1"/>
-          </a:fillRef>
-          <a:effectRef idx="0">
-            <a:schemeClr val="accent1"/>
-          </a:effectRef>
-          <a:fontRef idx="minor"/>
-        </p:style>
-      </p:sp>
-      <p:sp>
-        <p:nvSpPr>
-          <p:cNvPr id="1411" name="CustomShape 28"/>
-          <p:cNvSpPr/>
-          <p:nvPr/>
-        </p:nvSpPr>
-        <p:spPr>
-          <a:xfrm rot="9900000" flipH="1">
-            <a:off x="6136200" y="6459480"/>
-            <a:ext cx="68400" cy="68760"/>
-          </a:xfrm>
-          <a:prstGeom prst="ellipse">
-            <a:avLst/>
-          </a:prstGeom>
-          <a:solidFill>
-            <a:srgbClr val="F7F7F7"/>
-          </a:solidFill>
-          <a:ln>
-            <a:solidFill>
-              <a:schemeClr val="bg1">
-                <a:lumMod val="50000"/>
-              </a:schemeClr>
-            </a:solidFill>
-          </a:ln>
-        </p:spPr>
-        <p:style>
-          <a:lnRef idx="2">
-            <a:schemeClr val="accent1">
-              <a:shade val="50000"/>
-            </a:schemeClr>
-          </a:lnRef>
-          <a:fillRef idx="1">
-            <a:schemeClr val="accent1"/>
-          </a:fillRef>
-          <a:effectRef idx="0">
-            <a:schemeClr val="accent1"/>
-          </a:effectRef>
-          <a:fontRef idx="minor"/>
-        </p:style>
-      </p:sp>
-      <p:sp>
-        <p:nvSpPr>
-          <p:cNvPr id="1412" name="CustomShape 29"/>
-          <p:cNvSpPr/>
-          <p:nvPr/>
-        </p:nvSpPr>
-        <p:spPr>
-          <a:xfrm rot="9900000" flipH="1">
-            <a:off x="6669360" y="6505920"/>
-            <a:ext cx="74520" cy="74520"/>
-          </a:xfrm>
-          <a:prstGeom prst="ellipse">
-            <a:avLst/>
-          </a:prstGeom>
-          <a:solidFill>
-            <a:schemeClr val="bg1">
-              <a:lumMod val="85000"/>
-            </a:schemeClr>
-          </a:solidFill>
-          <a:ln>
-            <a:noFill/>
-          </a:ln>
-        </p:spPr>
-        <p:style>
-          <a:lnRef idx="2">
-            <a:schemeClr val="accent1">
-              <a:shade val="50000"/>
-            </a:schemeClr>
-          </a:lnRef>
-          <a:fillRef idx="1">
-            <a:schemeClr val="accent1"/>
-          </a:fillRef>
-          <a:effectRef idx="0">
-            <a:schemeClr val="accent1"/>
-          </a:effectRef>
-          <a:fontRef idx="minor"/>
-        </p:style>
-      </p:sp>
-      <p:sp>
-        <p:nvSpPr>
-          <p:cNvPr id="1413" name="CustomShape 30"/>
-          <p:cNvSpPr/>
-          <p:nvPr/>
-        </p:nvSpPr>
-        <p:spPr>
-          <a:xfrm rot="9900000" flipH="1">
-            <a:off x="6333120" y="6694560"/>
-            <a:ext cx="83880" cy="83880"/>
-          </a:xfrm>
-          <a:prstGeom prst="ellipse">
-            <a:avLst/>
-          </a:prstGeom>
-          <a:solidFill>
-            <a:schemeClr val="bg1">
-              <a:lumMod val="65000"/>
-            </a:schemeClr>
-          </a:solidFill>
-          <a:ln>
-            <a:noFill/>
-          </a:ln>
-        </p:spPr>
-        <p:style>
-          <a:lnRef idx="2">
-            <a:schemeClr val="accent1">
-              <a:shade val="50000"/>
-            </a:schemeClr>
-          </a:lnRef>
-          <a:fillRef idx="1">
-            <a:schemeClr val="accent1"/>
-          </a:fillRef>
-          <a:effectRef idx="0">
-            <a:schemeClr val="accent1"/>
-          </a:effectRef>
-          <a:fontRef idx="minor"/>
-        </p:style>
-      </p:sp>
-      <p:sp>
-        <p:nvSpPr>
-          <p:cNvPr id="1414" name="CustomShape 31"/>
-          <p:cNvSpPr/>
-          <p:nvPr/>
-        </p:nvSpPr>
-        <p:spPr>
-          <a:xfrm rot="9900000" flipH="1">
-            <a:off x="6283800" y="5832000"/>
-            <a:ext cx="86400" cy="86400"/>
-          </a:xfrm>
-          <a:prstGeom prst="ellipse">
-            <a:avLst/>
-          </a:prstGeom>
-          <a:solidFill>
-            <a:schemeClr val="tx1">
-              <a:lumMod val="85000"/>
-              <a:lumOff val="15000"/>
-            </a:schemeClr>
-          </a:solidFill>
-          <a:ln>
-            <a:noFill/>
-          </a:ln>
-        </p:spPr>
-        <p:style>
-          <a:lnRef idx="2">
-            <a:schemeClr val="accent1">
-              <a:shade val="50000"/>
-            </a:schemeClr>
-          </a:lnRef>
-          <a:fillRef idx="1">
-            <a:schemeClr val="accent1"/>
-          </a:fillRef>
-          <a:effectRef idx="0">
-            <a:schemeClr val="accent1"/>
-          </a:effectRef>
-          <a:fontRef idx="minor"/>
-        </p:style>
-      </p:sp>
-      <p:sp>
-        <p:nvSpPr>
-          <p:cNvPr id="1415" name="Line 32"/>
-          <p:cNvSpPr/>
-          <p:nvPr/>
-        </p:nvSpPr>
-        <p:spPr>
-          <a:xfrm flipH="1" flipV="1">
-            <a:off x="6338160" y="5916600"/>
-            <a:ext cx="358560" cy="590400"/>
-          </a:xfrm>
-          <a:prstGeom prst="line">
-            <a:avLst/>
-          </a:prstGeom>
-          <a:ln>
-            <a:solidFill>
-              <a:schemeClr val="bg1">
-                <a:lumMod val="75000"/>
-              </a:schemeClr>
-            </a:solidFill>
-          </a:ln>
-        </p:spPr>
-        <p:style>
-          <a:lnRef idx="1">
-            <a:schemeClr val="accent1"/>
-          </a:lnRef>
-          <a:fillRef idx="0">
-            <a:schemeClr val="accent1"/>
-          </a:fillRef>
-          <a:effectRef idx="0">
-            <a:schemeClr val="accent1"/>
-          </a:effectRef>
-          <a:fontRef idx="minor"/>
-        </p:style>
-      </p:sp>
-      <p:sp>
-        <p:nvSpPr>
-          <p:cNvPr id="1416" name="Line 33"/>
-          <p:cNvSpPr/>
-          <p:nvPr/>
-        </p:nvSpPr>
-        <p:spPr>
-          <a:xfrm flipH="1">
-            <a:off x="6742440" y="6428880"/>
-            <a:ext cx="406800" cy="104400"/>
-          </a:xfrm>
-          <a:prstGeom prst="line">
-            <a:avLst/>
-          </a:prstGeom>
-          <a:ln>
-            <a:solidFill>
-              <a:schemeClr val="bg1">
-                <a:lumMod val="75000"/>
-              </a:schemeClr>
-            </a:solidFill>
-          </a:ln>
-        </p:spPr>
-        <p:style>
-          <a:lnRef idx="1">
-            <a:schemeClr val="accent1"/>
-          </a:lnRef>
-          <a:fillRef idx="0">
-            <a:schemeClr val="accent1"/>
-          </a:fillRef>
-          <a:effectRef idx="0">
-            <a:schemeClr val="accent1"/>
-          </a:effectRef>
-          <a:fontRef idx="minor"/>
-        </p:style>
-      </p:sp>
-      <p:sp>
-        <p:nvSpPr>
-          <p:cNvPr id="1417" name="CustomShape 34"/>
-          <p:cNvSpPr/>
-          <p:nvPr/>
-        </p:nvSpPr>
-        <p:spPr>
-          <a:xfrm rot="9900000" flipH="1">
-            <a:off x="6081480" y="5210640"/>
-            <a:ext cx="120240" cy="120600"/>
-          </a:xfrm>
-          <a:prstGeom prst="ellipse">
-            <a:avLst/>
-          </a:prstGeom>
-          <a:solidFill>
-            <a:schemeClr val="bg1">
-              <a:lumMod val="85000"/>
-            </a:schemeClr>
-          </a:solidFill>
-          <a:ln>
-            <a:noFill/>
-          </a:ln>
-        </p:spPr>
-        <p:style>
-          <a:lnRef idx="2">
-            <a:schemeClr val="accent1">
-              <a:shade val="50000"/>
-            </a:schemeClr>
-          </a:lnRef>
-          <a:fillRef idx="1">
-            <a:schemeClr val="accent1"/>
-          </a:fillRef>
-          <a:effectRef idx="0">
-            <a:schemeClr val="accent1"/>
-          </a:effectRef>
-          <a:fontRef idx="minor"/>
-        </p:style>
-      </p:sp>
-      <p:sp>
-        <p:nvSpPr>
-          <p:cNvPr id="1418" name="Line 35"/>
-          <p:cNvSpPr/>
-          <p:nvPr/>
-        </p:nvSpPr>
-        <p:spPr>
-          <a:xfrm>
-            <a:off x="5632200" y="6437880"/>
-            <a:ext cx="505440" cy="64800"/>
-          </a:xfrm>
-          <a:prstGeom prst="line">
-            <a:avLst/>
-          </a:prstGeom>
-          <a:ln>
-            <a:solidFill>
-              <a:schemeClr val="bg1">
-                <a:lumMod val="75000"/>
-              </a:schemeClr>
-            </a:solidFill>
-          </a:ln>
-        </p:spPr>
-        <p:style>
-          <a:lnRef idx="1">
-            <a:schemeClr val="accent1"/>
-          </a:lnRef>
-          <a:fillRef idx="0">
-            <a:schemeClr val="accent1"/>
-          </a:fillRef>
-          <a:effectRef idx="0">
-            <a:schemeClr val="accent1"/>
-          </a:effectRef>
-          <a:fontRef idx="minor"/>
-        </p:style>
-      </p:sp>
-      <p:sp>
-        <p:nvSpPr>
-          <p:cNvPr id="1419" name="Line 36"/>
-          <p:cNvSpPr/>
-          <p:nvPr/>
-        </p:nvSpPr>
-        <p:spPr>
-          <a:xfrm flipH="1" flipV="1">
-            <a:off x="6186240" y="5638680"/>
-            <a:ext cx="162360" cy="198720"/>
-          </a:xfrm>
-          <a:prstGeom prst="line">
-            <a:avLst/>
-          </a:prstGeom>
-          <a:ln>
-            <a:solidFill>
-              <a:schemeClr val="bg1">
-                <a:lumMod val="75000"/>
-                <a:alpha val="21000"/>
-              </a:schemeClr>
-            </a:solidFill>
-          </a:ln>
-        </p:spPr>
-        <p:style>
-          <a:lnRef idx="1">
-            <a:schemeClr val="accent1"/>
-          </a:lnRef>
-          <a:fillRef idx="0">
-            <a:schemeClr val="accent1"/>
-          </a:fillRef>
-          <a:effectRef idx="0">
-            <a:schemeClr val="accent1"/>
-          </a:effectRef>
-          <a:fontRef idx="minor"/>
-        </p:style>
-      </p:sp>
-      <p:sp>
-        <p:nvSpPr>
-          <p:cNvPr id="1420" name="CustomShape 37"/>
-          <p:cNvSpPr/>
-          <p:nvPr/>
-        </p:nvSpPr>
-        <p:spPr>
-          <a:xfrm>
-            <a:off x="6338160" y="1012680"/>
-            <a:ext cx="2391480" cy="364680"/>
-          </a:xfrm>
-          <a:prstGeom prst="rect">
-            <a:avLst/>
-          </a:prstGeom>
-          <a:noFill/>
-          <a:ln>
-            <a:noFill/>
-          </a:ln>
-        </p:spPr>
-        <p:style>
-          <a:lnRef idx="0">
-            <a:srgbClr val="FFFFFF"/>
-          </a:lnRef>
-          <a:fillRef idx="0">
-            <a:srgbClr val="FFFFFF"/>
-          </a:fillRef>
-          <a:effectRef idx="0">
-            <a:srgbClr val="FFFFFF"/>
-          </a:effectRef>
-          <a:fontRef idx="minor"/>
-        </p:style>
-        <p:txBody>
-          <a:bodyPr lIns="90000" tIns="45000" rIns="90000" bIns="45000"/>
-          <a:p>
-            <a:pPr>
-              <a:lnSpc>
-                <a:spcPct val="100000"/>
-              </a:lnSpc>
-            </a:pPr>
-            <a:r>
-              <a:rPr lang="en-US" sz="1800" b="0" strike="noStrike" spc="-1">
-                <a:solidFill>
-                  <a:srgbClr val="FFFFFF"/>
-                </a:solidFill>
-                <a:latin typeface="Arial"/>
-                <a:ea typeface="微软雅黑"/>
-              </a:rPr>
-              <a:t>Type something here</a:t>
-            </a:r>
-            <a:endParaRPr lang="en-US" sz="1800" b="0" strike="noStrike" spc="-1">
-              <a:latin typeface="Arial"/>
-            </a:endParaRPr>
-          </a:p>
-        </p:txBody>
-      </p:sp>
-      <p:sp>
-        <p:nvSpPr>
-          <p:cNvPr id="1421" name="CustomShape 38"/>
-          <p:cNvSpPr/>
-          <p:nvPr/>
-        </p:nvSpPr>
-        <p:spPr>
-          <a:xfrm>
-            <a:off x="3605760" y="2615760"/>
-            <a:ext cx="2391480" cy="364680"/>
-          </a:xfrm>
-          <a:prstGeom prst="rect">
-            <a:avLst/>
-          </a:prstGeom>
-          <a:noFill/>
-          <a:ln>
-            <a:noFill/>
-          </a:ln>
-        </p:spPr>
-        <p:style>
-          <a:lnRef idx="0">
-            <a:srgbClr val="FFFFFF"/>
-          </a:lnRef>
-          <a:fillRef idx="0">
-            <a:srgbClr val="FFFFFF"/>
-          </a:fillRef>
-          <a:effectRef idx="0">
-            <a:srgbClr val="FFFFFF"/>
-          </a:effectRef>
-          <a:fontRef idx="minor"/>
-        </p:style>
-        <p:txBody>
-          <a:bodyPr lIns="90000" tIns="45000" rIns="90000" bIns="45000"/>
-          <a:p>
-            <a:pPr>
-              <a:lnSpc>
-                <a:spcPct val="100000"/>
-              </a:lnSpc>
-            </a:pPr>
-            <a:r>
-              <a:rPr lang="en-US" sz="1800" b="0" strike="noStrike" spc="-1">
-                <a:solidFill>
-                  <a:srgbClr val="FFFFFF"/>
-                </a:solidFill>
-                <a:latin typeface="Arial"/>
-                <a:ea typeface="微软雅黑"/>
-              </a:rPr>
-              <a:t>Type something here</a:t>
-            </a:r>
-            <a:endParaRPr lang="en-US" sz="1800" b="0" strike="noStrike" spc="-1">
-              <a:latin typeface="Arial"/>
-            </a:endParaRPr>
-          </a:p>
-        </p:txBody>
-      </p:sp>
-      <p:sp>
-        <p:nvSpPr>
-          <p:cNvPr id="1422" name="CustomShape 39"/>
-          <p:cNvSpPr/>
-          <p:nvPr/>
-        </p:nvSpPr>
-        <p:spPr>
-          <a:xfrm>
-            <a:off x="6930000" y="4691880"/>
-            <a:ext cx="2391480" cy="364680"/>
-          </a:xfrm>
-          <a:prstGeom prst="rect">
-            <a:avLst/>
-          </a:prstGeom>
-          <a:noFill/>
-          <a:ln>
-            <a:noFill/>
-          </a:ln>
-        </p:spPr>
-        <p:style>
-          <a:lnRef idx="0">
-            <a:srgbClr val="FFFFFF"/>
-          </a:lnRef>
-          <a:fillRef idx="0">
-            <a:srgbClr val="FFFFFF"/>
-          </a:fillRef>
-          <a:effectRef idx="0">
-            <a:srgbClr val="FFFFFF"/>
-          </a:effectRef>
-          <a:fontRef idx="minor"/>
-        </p:style>
-        <p:txBody>
-          <a:bodyPr lIns="90000" tIns="45000" rIns="90000" bIns="45000"/>
-          <a:p>
-            <a:pPr>
-              <a:lnSpc>
-                <a:spcPct val="100000"/>
-              </a:lnSpc>
-            </a:pPr>
-            <a:r>
-              <a:rPr lang="en-US" sz="1800" b="0" strike="noStrike" spc="-1">
-                <a:solidFill>
-                  <a:srgbClr val="FFFFFF"/>
-                </a:solidFill>
-                <a:latin typeface="Arial"/>
-                <a:ea typeface="微软雅黑"/>
-              </a:rPr>
-              <a:t>Type something here</a:t>
-            </a:r>
-            <a:endParaRPr lang="en-US" sz="1800" b="0" strike="noStrike" spc="-1">
-              <a:latin typeface="Arial"/>
-            </a:endParaRPr>
-          </a:p>
-        </p:txBody>
-      </p:sp>
-    </p:spTree>
-  </p:cSld>
-  <p:clrMapOvr>
-    <a:masterClrMapping/>
-  </p:clrMapOvr>
-  <p:transition advTm="0">
-    <p:fade/>
-  </p:transition>
-</p:sld>
-</file>
-
-<file path=ppt/slides/slide7.xml><?xml version="1.0" encoding="utf-8"?>
 <p:sld xmlns:a="http://schemas.openxmlformats.org/drawingml/2006/main" xmlns:r="http://schemas.openxmlformats.org/officeDocument/2006/relationships" xmlns:p="http://schemas.openxmlformats.org/presentationml/2006/main">
   <p:cSld>
     <p:bg>
